--- a/Chapter 1.pptx
+++ b/Chapter 1.pptx
@@ -10369,31 +10369,44 @@
           </a:xfrm>
         </p:spPr>
         <p:txBody>
-          <a:bodyPr/>
+          <a:bodyPr>
+            <a:normAutofit fontScale="92500" lnSpcReduction="20000"/>
+          </a:bodyPr>
           <a:lstStyle/>
           <a:p>
             <a:r>
               <a:rPr lang="en-US" dirty="0"/>
-              <a:t>Limiting</a:t>
+              <a:t>Layering: A layered security approach, also called defense-in-depth, can be useful in resisting a variety of attacks. If only one defense mechanism is in place, an attacker only has to circumvent that single defense.</a:t>
             </a:r>
           </a:p>
           <a:p>
             <a:r>
               <a:rPr lang="en-US" dirty="0"/>
-              <a:t>Diversity</a:t>
+              <a:t>Limiting: Limiting access to information reduces the threat against it. This means that only those personnel who must use the data should have access to it.</a:t>
             </a:r>
           </a:p>
           <a:p>
             <a:r>
               <a:rPr lang="en-US" dirty="0"/>
-              <a:t>Obscurity</a:t>
+              <a:t>Diversity: Multiple types of security mechanisms (E.g., Access control, technical controls, administrative controls, etc.)</a:t>
             </a:r>
           </a:p>
           <a:p>
             <a:r>
               <a:rPr lang="en-US" dirty="0"/>
-              <a:t>Simplicity</a:t>
-            </a:r>
+              <a:t>Obscurity: Not revealing the type of computer, version of operating system, or brand of software that is used.</a:t>
+            </a:r>
+          </a:p>
+          <a:p>
+            <a:r>
+              <a:rPr lang="en-US" dirty="0"/>
+              <a:t>Simplicity: As much as possible, a secure system should be simple for those on the inside to understand and use. Yet, it should be complex from </a:t>
+            </a:r>
+            <a:r>
+              <a:rPr lang="en-US"/>
+              <a:t>the outside.</a:t>
+            </a:r>
+            <a:endParaRPr lang="en-US" dirty="0"/>
           </a:p>
         </p:txBody>
       </p:sp>
